--- a/spring12/slidesS12/prob-conditional.pptx
+++ b/spring12/slidesS12/prob-conditional.pptx
@@ -5912,7 +5912,7 @@
           <a:graphicData uri="http://schemas.openxmlformats.org/presentationml/2006/ole">
             <mc:AlternateContent xmlns:mc="http://schemas.openxmlformats.org/markup-compatibility/2006">
               <mc:Choice xmlns:v="urn:schemas-microsoft-com:vml" Requires="v">
-                <p:oleObj spid="_x0000_s2097" name="Equation" r:id="rId4" imgW="1612900" imgH="495300" progId="Equation.DSMT4">
+                <p:oleObj spid="_x0000_s2100" name="Equation" r:id="rId4" imgW="1612900" imgH="495300" progId="Equation.DSMT4">
                   <p:embed/>
                 </p:oleObj>
               </mc:Choice>
@@ -6416,7 +6416,7 @@
           <a:graphicData uri="http://schemas.openxmlformats.org/presentationml/2006/ole">
             <mc:AlternateContent xmlns:mc="http://schemas.openxmlformats.org/markup-compatibility/2006">
               <mc:Choice xmlns:v="urn:schemas-microsoft-com:vml" Requires="v">
-                <p:oleObj spid="_x0000_s333859" name="Equation" r:id="rId4" imgW="1511300" imgH="685800" progId="Equation.DSMT4">
+                <p:oleObj spid="_x0000_s333862" name="Equation" r:id="rId4" imgW="1511300" imgH="685800" progId="Equation.DSMT4">
                   <p:embed/>
                 </p:oleObj>
               </mc:Choice>
@@ -11371,7 +11371,7 @@
           <a:graphicData uri="http://schemas.openxmlformats.org/presentationml/2006/ole">
             <mc:AlternateContent xmlns:mc="http://schemas.openxmlformats.org/markup-compatibility/2006">
               <mc:Choice xmlns:v="urn:schemas-microsoft-com:vml" Requires="v">
-                <p:oleObj spid="_x0000_s343058" name="Equation" r:id="rId4" imgW="177800" imgH="533400" progId="Equation.DSMT4">
+                <p:oleObj spid="_x0000_s343063" name="Equation" r:id="rId4" imgW="177800" imgH="533400" progId="Equation.DSMT4">
                   <p:embed/>
                 </p:oleObj>
               </mc:Choice>
@@ -11428,7 +11428,7 @@
           <a:graphicData uri="http://schemas.openxmlformats.org/presentationml/2006/ole">
             <mc:AlternateContent xmlns:mc="http://schemas.openxmlformats.org/markup-compatibility/2006">
               <mc:Choice xmlns:v="urn:schemas-microsoft-com:vml" Requires="v">
-                <p:oleObj spid="_x0000_s343059" name="Equation" r:id="rId6" imgW="177800" imgH="533400" progId="Equation.DSMT4">
+                <p:oleObj spid="_x0000_s343064" name="Equation" r:id="rId6" imgW="177800" imgH="533400" progId="Equation.DSMT4">
                   <p:embed/>
                 </p:oleObj>
               </mc:Choice>
@@ -16768,7 +16768,7 @@
           <a:graphicData uri="http://schemas.openxmlformats.org/presentationml/2006/ole">
             <mc:AlternateContent xmlns:mc="http://schemas.openxmlformats.org/markup-compatibility/2006">
               <mc:Choice xmlns:v="urn:schemas-microsoft-com:vml" Requires="v">
-                <p:oleObj spid="_x0000_s348170" name="Equation" r:id="rId4" imgW="177800" imgH="533400" progId="Equation.DSMT4">
+                <p:oleObj spid="_x0000_s348177" name="Equation" r:id="rId4" imgW="177800" imgH="533400" progId="Equation.DSMT4">
                   <p:embed/>
                 </p:oleObj>
               </mc:Choice>
@@ -16825,7 +16825,7 @@
           <a:graphicData uri="http://schemas.openxmlformats.org/presentationml/2006/ole">
             <mc:AlternateContent xmlns:mc="http://schemas.openxmlformats.org/markup-compatibility/2006">
               <mc:Choice xmlns:v="urn:schemas-microsoft-com:vml" Requires="v">
-                <p:oleObj spid="_x0000_s348171" name="Equation" r:id="rId6" imgW="177800" imgH="533400" progId="Equation.DSMT4">
+                <p:oleObj spid="_x0000_s348178" name="Equation" r:id="rId6" imgW="177800" imgH="533400" progId="Equation.DSMT4">
                   <p:embed/>
                 </p:oleObj>
               </mc:Choice>
@@ -16882,7 +16882,7 @@
           <a:graphicData uri="http://schemas.openxmlformats.org/presentationml/2006/ole">
             <mc:AlternateContent xmlns:mc="http://schemas.openxmlformats.org/markup-compatibility/2006">
               <mc:Choice xmlns:v="urn:schemas-microsoft-com:vml" Requires="v">
-                <p:oleObj spid="_x0000_s348172" name="Equation" r:id="rId7" imgW="177800" imgH="533400" progId="Equation.DSMT4">
+                <p:oleObj spid="_x0000_s348179" name="Equation" r:id="rId7" imgW="177800" imgH="533400" progId="Equation.DSMT4">
                   <p:embed/>
                 </p:oleObj>
               </mc:Choice>
@@ -16927,13 +16927,13 @@
   <p:clrMapOvr>
     <a:masterClrMapping/>
   </p:clrMapOvr>
-  <mc:AlternateContent xmlns:mc="http://schemas.openxmlformats.org/markup-compatibility/2006">
-    <mc:Choice xmlns:p14="http://schemas.microsoft.com/office/powerpoint/2010/main" Requires="p14">
+  <mc:AlternateContent xmlns:mc="http://schemas.openxmlformats.org/markup-compatibility/2006" xmlns:p14="http://schemas.microsoft.com/office/powerpoint/2010/main">
+    <mc:Choice Requires="p14">
       <p:transition spd="med" p14:dur="700">
         <p:fade/>
       </p:transition>
     </mc:Choice>
-    <mc:Fallback>
+    <mc:Fallback xmlns="">
       <p:transition xmlns:p14="http://schemas.microsoft.com/office/powerpoint/2010/main" spd="med">
         <p:fade/>
       </p:transition>
@@ -25006,12 +25006,6 @@
               </a:rPr>
               <a:t>picked 1</a:t>
             </a:r>
-            <a:endParaRPr lang="en-US" sz="4400" dirty="0" smtClean="0">
-              <a:solidFill>
-                <a:srgbClr val="0000FF"/>
-              </a:solidFill>
-              <a:latin typeface="+mj-lt"/>
-            </a:endParaRPr>
           </a:p>
         </p:txBody>
       </p:sp>
@@ -29904,19 +29898,10 @@
           <a:p>
             <a:r>
               <a:rPr lang="en-US" sz="4400" dirty="0" smtClean="0">
-                <a:solidFill>
-                  <a:srgbClr val="0000FF"/>
-                </a:solidFill>
                 <a:latin typeface="+mj-lt"/>
               </a:rPr>
               <a:t>goat at 2</a:t>
             </a:r>
-            <a:endParaRPr lang="en-US" sz="4400" dirty="0" smtClean="0">
-              <a:solidFill>
-                <a:srgbClr val="0000FF"/>
-              </a:solidFill>
-              <a:latin typeface="+mj-lt"/>
-            </a:endParaRPr>
           </a:p>
         </p:txBody>
       </p:sp>
@@ -30370,7 +30355,7 @@
           <a:graphicData uri="http://schemas.openxmlformats.org/presentationml/2006/ole">
             <mc:AlternateContent xmlns:mc="http://schemas.openxmlformats.org/markup-compatibility/2006">
               <mc:Choice xmlns:v="urn:schemas-microsoft-com:vml" Requires="v">
-                <p:oleObj spid="_x0000_s1103" name="Equation" r:id="rId4" imgW="2260440" imgH="533160" progId="Equation.DSMT4">
+                <p:oleObj spid="_x0000_s1108" name="Equation" r:id="rId4" imgW="2260440" imgH="533160" progId="Equation.DSMT4">
                   <p:embed/>
                 </p:oleObj>
               </mc:Choice>
@@ -30440,7 +30425,7 @@
           <a:graphicData uri="http://schemas.openxmlformats.org/presentationml/2006/ole">
             <mc:AlternateContent xmlns:mc="http://schemas.openxmlformats.org/markup-compatibility/2006">
               <mc:Choice xmlns:v="urn:schemas-microsoft-com:vml" Requires="v">
-                <p:oleObj spid="_x0000_s1104" name="Equation" r:id="rId6" imgW="1117440" imgH="533160" progId="Equation.DSMT4">
+                <p:oleObj spid="_x0000_s1109" name="Equation" r:id="rId6" imgW="1117440" imgH="533160" progId="Equation.DSMT4">
                   <p:embed/>
                 </p:oleObj>
               </mc:Choice>
@@ -30948,12 +30933,11 @@
             <a:r>
               <a:rPr lang="en-US" sz="4800" dirty="0" smtClean="0">
                 <a:solidFill>
-                  <a:srgbClr val="CC0099"/>
+                  <a:srgbClr val="0000FF"/>
                 </a:solidFill>
               </a:rPr>
               <a:t>&amp;</a:t>
             </a:r>
-            <a:endParaRPr lang="en-US" sz="4800" dirty="0" smtClean="0"/>
           </a:p>
           <a:p>
             <a:pPr eaLnBrk="1" hangingPunct="1">
@@ -30962,8 +30946,24 @@
               </a:lnSpc>
             </a:pPr>
             <a:r>
+              <a:rPr lang="en-US" sz="4800" dirty="0" smtClean="0">
+                <a:solidFill>
+                  <a:srgbClr val="0000FF"/>
+                </a:solidFill>
+              </a:rPr>
+              <a:t>                        </a:t>
+            </a:r>
+            <a:r>
+              <a:rPr lang="en-US" sz="4800" dirty="0" smtClean="0">
+                <a:solidFill>
+                  <a:srgbClr val="000000"/>
+                </a:solidFill>
+              </a:rPr>
+              <a:t>goat at 2</a:t>
+            </a:r>
+            <a:r>
               <a:rPr lang="en-US" sz="4800" dirty="0" smtClean="0"/>
-              <a:t>                        goat at 2}</a:t>
+              <a:t>}</a:t>
             </a:r>
             <a:endParaRPr lang="en-US" sz="6000" dirty="0" smtClean="0">
               <a:solidFill>
@@ -31002,14 +31002,14 @@
             <a:r>
               <a:rPr lang="en-US" sz="4800" dirty="0" smtClean="0">
                 <a:solidFill>
-                  <a:srgbClr val="CC0099"/>
+                  <a:srgbClr val="0000FF"/>
                 </a:solidFill>
               </a:rPr>
-              <a:t>&amp;</a:t>
+              <a:t>&amp; </a:t>
             </a:r>
             <a:r>
               <a:rPr lang="en-US" sz="4800" dirty="0" smtClean="0"/>
-              <a:t> goat at 2</a:t>
+              <a:t>goat at 2</a:t>
             </a:r>
             <a:r>
               <a:rPr lang="en-US" sz="4400" dirty="0" smtClean="0"/>
@@ -31353,7 +31353,7 @@
           <a:graphicData uri="http://schemas.openxmlformats.org/presentationml/2006/ole">
             <mc:AlternateContent xmlns:mc="http://schemas.openxmlformats.org/markup-compatibility/2006">
               <mc:Choice xmlns:v="urn:schemas-microsoft-com:vml" Requires="v">
-                <p:oleObj spid="_x0000_s244791" name="Equation" r:id="rId4" imgW="292100" imgH="469900" progId="Equation.DSMT4">
+                <p:oleObj spid="_x0000_s244794" name="Equation" r:id="rId4" imgW="292100" imgH="469900" progId="Equation.DSMT4">
                   <p:embed/>
                 </p:oleObj>
               </mc:Choice>
@@ -31412,13 +31412,13 @@
   <p:clrMapOvr>
     <a:masterClrMapping/>
   </p:clrMapOvr>
-  <mc:AlternateContent xmlns:mc="http://schemas.openxmlformats.org/markup-compatibility/2006">
-    <mc:Choice xmlns:p14="http://schemas.microsoft.com/office/powerpoint/2010/main" Requires="p14">
+  <mc:AlternateContent xmlns:mc="http://schemas.openxmlformats.org/markup-compatibility/2006" xmlns:p14="http://schemas.microsoft.com/office/powerpoint/2010/main">
+    <mc:Choice Requires="p14">
       <p:transition spd="med" p14:dur="700">
         <p:fade/>
       </p:transition>
     </mc:Choice>
-    <mc:Fallback>
+    <mc:Fallback xmlns="">
       <p:transition xmlns:p14="http://schemas.microsoft.com/office/powerpoint/2010/main" spd="med">
         <p:fade/>
       </p:transition>
@@ -31808,7 +31808,7 @@
             <a:r>
               <a:rPr lang="en-US" sz="4800" dirty="0" smtClean="0">
                 <a:solidFill>
-                  <a:srgbClr val="0000CC"/>
+                  <a:srgbClr val="0000FF"/>
                 </a:solidFill>
               </a:rPr>
               <a:t>picked 1</a:t>
@@ -31820,12 +31820,11 @@
             <a:r>
               <a:rPr lang="en-US" sz="4800" dirty="0" smtClean="0">
                 <a:solidFill>
-                  <a:srgbClr val="CC0099"/>
+                  <a:srgbClr val="0000FF"/>
                 </a:solidFill>
               </a:rPr>
               <a:t>&amp;</a:t>
             </a:r>
-            <a:endParaRPr lang="en-US" sz="4800" dirty="0" smtClean="0"/>
           </a:p>
           <a:p>
             <a:pPr eaLnBrk="1" hangingPunct="1">
@@ -31862,26 +31861,14 @@
             <a:r>
               <a:rPr lang="en-US" sz="4800" dirty="0" smtClean="0">
                 <a:solidFill>
-                  <a:srgbClr val="0000CC"/>
+                  <a:srgbClr val="0000FF"/>
                 </a:solidFill>
               </a:rPr>
-              <a:t>picked 1</a:t>
+              <a:t>picked 1 &amp; </a:t>
             </a:r>
             <a:r>
               <a:rPr lang="en-US" sz="4800" dirty="0" smtClean="0"/>
-              <a:t> </a:t>
-            </a:r>
-            <a:r>
-              <a:rPr lang="en-US" sz="4800" dirty="0" smtClean="0">
-                <a:solidFill>
-                  <a:srgbClr val="CC0099"/>
-                </a:solidFill>
-              </a:rPr>
-              <a:t>&amp;</a:t>
-            </a:r>
-            <a:r>
-              <a:rPr lang="en-US" sz="4800" dirty="0" smtClean="0"/>
-              <a:t> goat at 2</a:t>
+              <a:t>goat at 2</a:t>
             </a:r>
             <a:r>
               <a:rPr lang="en-US" sz="4400" dirty="0" smtClean="0"/>
@@ -32177,7 +32164,7 @@
           <a:graphicData uri="http://schemas.openxmlformats.org/presentationml/2006/ole">
             <mc:AlternateContent xmlns:mc="http://schemas.openxmlformats.org/markup-compatibility/2006">
               <mc:Choice xmlns:v="urn:schemas-microsoft-com:vml" Requires="v">
-                <p:oleObj spid="_x0000_s250973" name="Equation" r:id="rId4" imgW="292100" imgH="469900" progId="Equation.DSMT4">
+                <p:oleObj spid="_x0000_s250978" name="Equation" r:id="rId4" imgW="292100" imgH="469900" progId="Equation.DSMT4">
                   <p:embed/>
                 </p:oleObj>
               </mc:Choice>
@@ -32253,7 +32240,7 @@
           <a:graphicData uri="http://schemas.openxmlformats.org/presentationml/2006/ole">
             <mc:AlternateContent xmlns:mc="http://schemas.openxmlformats.org/markup-compatibility/2006">
               <mc:Choice xmlns:v="urn:schemas-microsoft-com:vml" Requires="v">
-                <p:oleObj spid="_x0000_s250974" name="Equation" r:id="rId6" imgW="762000" imgH="469900" progId="Equation.DSMT4">
+                <p:oleObj spid="_x0000_s250979" name="Equation" r:id="rId6" imgW="762000" imgH="469900" progId="Equation.DSMT4">
                   <p:embed/>
                 </p:oleObj>
               </mc:Choice>
@@ -32425,26 +32412,14 @@
             <a:r>
               <a:rPr lang="en-US" sz="4800" dirty="0" smtClean="0">
                 <a:solidFill>
-                  <a:srgbClr val="0000CC"/>
+                  <a:srgbClr val="0000FF"/>
                 </a:solidFill>
               </a:rPr>
-              <a:t>picked 1</a:t>
+              <a:t>picked 1 &amp; </a:t>
             </a:r>
             <a:r>
               <a:rPr lang="en-US" sz="4800" dirty="0" smtClean="0"/>
-              <a:t> </a:t>
-            </a:r>
-            <a:r>
-              <a:rPr lang="en-US" sz="4800" dirty="0" smtClean="0">
-                <a:solidFill>
-                  <a:srgbClr val="CC0099"/>
-                </a:solidFill>
-              </a:rPr>
-              <a:t>&amp;</a:t>
-            </a:r>
-            <a:r>
-              <a:rPr lang="en-US" sz="4800" dirty="0" smtClean="0"/>
-              <a:t> goat at 2</a:t>
+              <a:t>goat at 2</a:t>
             </a:r>
             <a:r>
               <a:rPr lang="en-US" sz="4400" dirty="0" smtClean="0"/>
@@ -32740,7 +32715,7 @@
           <a:graphicData uri="http://schemas.openxmlformats.org/presentationml/2006/ole">
             <mc:AlternateContent xmlns:mc="http://schemas.openxmlformats.org/markup-compatibility/2006">
               <mc:Choice xmlns:v="urn:schemas-microsoft-com:vml" Requires="v">
-                <p:oleObj spid="_x0000_s350217" name="Equation" r:id="rId4" imgW="292100" imgH="469900" progId="Equation.DSMT4">
+                <p:oleObj spid="_x0000_s350222" name="Equation" r:id="rId4" imgW="292100" imgH="469900" progId="Equation.DSMT4">
                   <p:embed/>
                 </p:oleObj>
               </mc:Choice>
@@ -32816,7 +32791,7 @@
           <a:graphicData uri="http://schemas.openxmlformats.org/presentationml/2006/ole">
             <mc:AlternateContent xmlns:mc="http://schemas.openxmlformats.org/markup-compatibility/2006">
               <mc:Choice xmlns:v="urn:schemas-microsoft-com:vml" Requires="v">
-                <p:oleObj spid="_x0000_s350218" name="Equation" r:id="rId6" imgW="1143000" imgH="457200" progId="Equation.DSMT4">
+                <p:oleObj spid="_x0000_s350223" name="Equation" r:id="rId6" imgW="1143000" imgH="457200" progId="Equation.DSMT4">
                   <p:embed/>
                 </p:oleObj>
               </mc:Choice>
@@ -33041,25 +33016,8 @@
             </a:pPr>
             <a:r>
               <a:rPr lang="en-US" sz="4400" dirty="0" smtClean="0"/>
-              <a:t>Seems </a:t>
-            </a:r>
-            <a:r>
-              <a:rPr lang="en-US" sz="4400" dirty="0" smtClean="0"/>
-              <a:t>the </a:t>
-            </a:r>
-            <a:r>
-              <a:rPr lang="en-US" sz="4400" dirty="0" smtClean="0"/>
-              <a:t>contestant </a:t>
-            </a:r>
-            <a:r>
-              <a:rPr lang="en-US" sz="4400" dirty="0" smtClean="0"/>
-              <a:t>may as </a:t>
-            </a:r>
-            <a:r>
-              <a:rPr lang="en-US" sz="4400" dirty="0" smtClean="0"/>
-              <a:t>well </a:t>
-            </a:r>
-            <a:endParaRPr lang="en-US" sz="4400" dirty="0" smtClean="0"/>
+              <a:t>Seems the contestant may as well </a:t>
+            </a:r>
           </a:p>
           <a:p>
             <a:pPr eaLnBrk="1" hangingPunct="1">
@@ -33075,11 +33033,7 @@
             </a:r>
             <a:r>
               <a:rPr lang="en-US" sz="4400" dirty="0" smtClean="0"/>
-              <a:t>, since the </a:t>
-            </a:r>
-            <a:r>
-              <a:rPr lang="en-US" sz="4400" dirty="0" smtClean="0"/>
-              <a:t>probabili</a:t>
+              <a:t>, since the probabili</a:t>
             </a:r>
             <a:r>
               <a:rPr lang="en-US" sz="4800" dirty="0" smtClean="0"/>
@@ -33097,11 +33051,6 @@
               </a:rPr>
               <a:t>1/2 </a:t>
             </a:r>
-            <a:endParaRPr lang="en-US" sz="4400" dirty="0" smtClean="0">
-              <a:solidFill>
-                <a:srgbClr val="0000CC"/>
-              </a:solidFill>
-            </a:endParaRPr>
           </a:p>
           <a:p>
             <a:pPr eaLnBrk="1" hangingPunct="1">
@@ -33114,26 +33063,10 @@
             <a:r>
               <a:rPr lang="en-US" sz="4400" dirty="0" smtClean="0">
                 <a:solidFill>
-                  <a:srgbClr val="CC0099"/>
+                  <a:srgbClr val="A50021"/>
                 </a:solidFill>
               </a:rPr>
-              <a:t>given </a:t>
-            </a:r>
-            <a:r>
-              <a:rPr lang="en-US" sz="4400" dirty="0" smtClean="0">
-                <a:solidFill>
-                  <a:srgbClr val="CC0099"/>
-                </a:solidFill>
-              </a:rPr>
-              <a:t>what he </a:t>
-            </a:r>
-            <a:r>
-              <a:rPr lang="en-US" sz="4400" dirty="0" smtClean="0">
-                <a:solidFill>
-                  <a:srgbClr val="CC0099"/>
-                </a:solidFill>
-              </a:rPr>
-              <a:t>knows</a:t>
+              <a:t>given what he knows</a:t>
             </a:r>
             <a:r>
               <a:rPr lang="en-US" sz="4400" dirty="0" smtClean="0"/>
@@ -33152,7 +33085,6 @@
               <a:rPr lang="en-US" sz="4400" dirty="0" smtClean="0"/>
               <a:t>chooses.</a:t>
             </a:r>
-            <a:endParaRPr lang="en-US" sz="4400" dirty="0" smtClean="0"/>
           </a:p>
         </p:txBody>
       </p:sp>
@@ -33435,7 +33367,7 @@
             <a:r>
               <a:rPr lang="en-US" sz="4800" dirty="0" smtClean="0">
                 <a:solidFill>
-                  <a:srgbClr val="CC0099"/>
+                  <a:srgbClr val="A50021"/>
                 </a:solidFill>
                 <a:latin typeface="Comic Sans MS"/>
                 <a:cs typeface="Comic Sans MS"/>
@@ -33460,9 +33392,9 @@
               <a:t>than </a:t>
             </a:r>
             <a:r>
-              <a:rPr lang="en-US" sz="4800" dirty="0">
+              <a:rPr lang="en-US" sz="4800" dirty="0" smtClean="0">
                 <a:solidFill>
-                  <a:srgbClr val="0000FF"/>
+                  <a:srgbClr val="A50021"/>
                 </a:solidFill>
                 <a:latin typeface="Comic Sans MS"/>
                 <a:cs typeface="Comic Sans MS"/>
@@ -33472,7 +33404,7 @@
             <a:r>
               <a:rPr lang="en-US" sz="4800" dirty="0" smtClean="0">
                 <a:solidFill>
-                  <a:srgbClr val="0000FF"/>
+                  <a:srgbClr val="A50021"/>
                 </a:solidFill>
                 <a:latin typeface="Comic Sans MS"/>
                 <a:cs typeface="Comic Sans MS"/>
@@ -33482,7 +33414,7 @@
             <a:r>
               <a:rPr lang="en-US" sz="4800" dirty="0">
                 <a:solidFill>
-                  <a:srgbClr val="0000FF"/>
+                  <a:srgbClr val="A50021"/>
                 </a:solidFill>
                 <a:latin typeface="Comic Sans MS"/>
                 <a:cs typeface="Comic Sans MS"/>
@@ -34110,7 +34042,6 @@
               <a:rPr lang="en-US" sz="6000" dirty="0" smtClean="0"/>
               <a:t>:</a:t>
             </a:r>
-            <a:endParaRPr lang="en-US" sz="6000" dirty="0" smtClean="0"/>
           </a:p>
         </p:txBody>
       </p:sp>
@@ -38943,19 +38874,10 @@
           <a:p>
             <a:r>
               <a:rPr lang="en-US" sz="4400" dirty="0" smtClean="0">
-                <a:solidFill>
-                  <a:srgbClr val="0000FF"/>
-                </a:solidFill>
                 <a:latin typeface="+mj-lt"/>
               </a:rPr>
               <a:t>goat at 2</a:t>
             </a:r>
-            <a:endParaRPr lang="en-US" sz="4400" dirty="0" smtClean="0">
-              <a:solidFill>
-                <a:srgbClr val="0000FF"/>
-              </a:solidFill>
-              <a:latin typeface="+mj-lt"/>
-            </a:endParaRPr>
           </a:p>
         </p:txBody>
       </p:sp>
@@ -43615,12 +43537,6 @@
               </a:rPr>
               <a:t>goat at 2</a:t>
             </a:r>
-            <a:endParaRPr lang="en-US" sz="4400" dirty="0" smtClean="0">
-              <a:solidFill>
-                <a:srgbClr val="0000FF"/>
-              </a:solidFill>
-              <a:latin typeface="+mj-lt"/>
-            </a:endParaRPr>
           </a:p>
         </p:txBody>
       </p:sp>
@@ -43678,12 +43594,6 @@
               </a:rPr>
               <a:t>   </a:t>
             </a:r>
-            <a:endParaRPr lang="en-US" sz="4400" dirty="0" smtClean="0">
-              <a:solidFill>
-                <a:srgbClr val="0000CC"/>
-              </a:solidFill>
-              <a:latin typeface="+mj-lt"/>
-            </a:endParaRPr>
           </a:p>
         </p:txBody>
       </p:sp>
@@ -44098,15 +44008,7 @@
                   <a:srgbClr val="0000FF"/>
                 </a:solidFill>
               </a:rPr>
-              <a:t> </a:t>
-            </a:r>
-            <a:r>
-              <a:rPr lang="en-US" sz="4000" dirty="0" smtClean="0">
-                <a:solidFill>
-                  <a:srgbClr val="0000FF"/>
-                </a:solidFill>
-              </a:rPr>
-              <a:t>2</a:t>
+              <a:t> 2</a:t>
             </a:r>
             <a:r>
               <a:rPr lang="en-US" sz="3600" dirty="0" smtClean="0"/>
@@ -44553,7 +44455,7 @@
           <a:graphicData uri="http://schemas.openxmlformats.org/presentationml/2006/ole">
             <mc:AlternateContent xmlns:mc="http://schemas.openxmlformats.org/markup-compatibility/2006">
               <mc:Choice xmlns:v="urn:schemas-microsoft-com:vml" Requires="v">
-                <p:oleObj spid="_x0000_s352259" name="Equation" r:id="rId4" imgW="368300" imgH="381000" progId="Equation.DSMT4">
+                <p:oleObj spid="_x0000_s352262" name="Equation" r:id="rId4" imgW="368300" imgH="381000" progId="Equation.DSMT4">
                   <p:embed/>
                 </p:oleObj>
               </mc:Choice>
@@ -44746,15 +44648,7 @@
                   <a:srgbClr val="0000FF"/>
                 </a:solidFill>
               </a:rPr>
-              <a:t> </a:t>
-            </a:r>
-            <a:r>
-              <a:rPr lang="en-US" sz="4000" dirty="0" smtClean="0">
-                <a:solidFill>
-                  <a:srgbClr val="0000FF"/>
-                </a:solidFill>
-              </a:rPr>
-              <a:t>2</a:t>
+              <a:t> 2</a:t>
             </a:r>
             <a:r>
               <a:rPr lang="en-US" sz="3600" dirty="0" smtClean="0"/>
@@ -45158,7 +45052,7 @@
           <a:graphicData uri="http://schemas.openxmlformats.org/presentationml/2006/ole">
             <mc:AlternateContent xmlns:mc="http://schemas.openxmlformats.org/markup-compatibility/2006">
               <mc:Choice xmlns:v="urn:schemas-microsoft-com:vml" Requires="v">
-                <p:oleObj spid="_x0000_s351239" name="Equation" r:id="rId4" imgW="723900" imgH="381000" progId="Equation.DSMT4">
+                <p:oleObj spid="_x0000_s351244" name="Equation" r:id="rId4" imgW="723900" imgH="381000" progId="Equation.DSMT4">
                   <p:embed/>
                 </p:oleObj>
               </mc:Choice>
@@ -45351,15 +45245,7 @@
                   <a:srgbClr val="0000FF"/>
                 </a:solidFill>
               </a:rPr>
-              <a:t> </a:t>
-            </a:r>
-            <a:r>
-              <a:rPr lang="en-US" sz="4000" dirty="0" smtClean="0">
-                <a:solidFill>
-                  <a:srgbClr val="0000FF"/>
-                </a:solidFill>
-              </a:rPr>
-              <a:t>2</a:t>
+              <a:t> 2</a:t>
             </a:r>
             <a:r>
               <a:rPr lang="en-US" sz="3600" dirty="0" smtClean="0"/>
@@ -45502,7 +45388,7 @@
           <a:graphicData uri="http://schemas.openxmlformats.org/presentationml/2006/ole">
             <mc:AlternateContent xmlns:mc="http://schemas.openxmlformats.org/markup-compatibility/2006">
               <mc:Choice xmlns:v="urn:schemas-microsoft-com:vml" Requires="v">
-                <p:oleObj spid="_x0000_s351240" name="Equation" r:id="rId6" imgW="977900" imgH="508000" progId="Equation.DSMT4">
+                <p:oleObj spid="_x0000_s351245" name="Equation" r:id="rId6" imgW="977900" imgH="508000" progId="Equation.DSMT4">
                   <p:embed/>
                 </p:oleObj>
               </mc:Choice>
@@ -46954,7 +46840,7 @@
           <a:graphicData uri="http://schemas.openxmlformats.org/presentationml/2006/ole">
             <mc:AlternateContent xmlns:mc="http://schemas.openxmlformats.org/markup-compatibility/2006">
               <mc:Choice xmlns:v="urn:schemas-microsoft-com:vml" Requires="v">
-                <p:oleObj spid="_x0000_s22595" name="Equation" r:id="rId4" imgW="152280" imgH="215640" progId="Equation.DSMT4">
+                <p:oleObj spid="_x0000_s22598" name="Equation" r:id="rId4" imgW="152280" imgH="215640" progId="Equation.DSMT4">
                   <p:embed/>
                 </p:oleObj>
               </mc:Choice>
@@ -47494,7 +47380,7 @@
           <a:graphicData uri="http://schemas.openxmlformats.org/presentationml/2006/ole">
             <mc:AlternateContent xmlns:mc="http://schemas.openxmlformats.org/markup-compatibility/2006">
               <mc:Choice xmlns:v="urn:schemas-microsoft-com:vml" Requires="v">
-                <p:oleObj spid="_x0000_s338952" name="Equation" r:id="rId4" imgW="1066800" imgH="685800" progId="Equation.DSMT4">
+                <p:oleObj spid="_x0000_s338955" name="Equation" r:id="rId4" imgW="1066800" imgH="685800" progId="Equation.DSMT4">
                   <p:embed/>
                 </p:oleObj>
               </mc:Choice>
@@ -48743,7 +48629,7 @@
           <a:graphicData uri="http://schemas.openxmlformats.org/presentationml/2006/ole">
             <mc:AlternateContent xmlns:mc="http://schemas.openxmlformats.org/markup-compatibility/2006">
               <mc:Choice xmlns:v="urn:schemas-microsoft-com:vml" Requires="v">
-                <p:oleObj spid="_x0000_s175215" name="Equation" r:id="rId4" imgW="152280" imgH="215640" progId="Equation.DSMT4">
+                <p:oleObj spid="_x0000_s175222" name="Equation" r:id="rId4" imgW="152280" imgH="215640" progId="Equation.DSMT4">
                   <p:embed/>
                 </p:oleObj>
               </mc:Choice>
@@ -48813,7 +48699,7 @@
           <a:graphicData uri="http://schemas.openxmlformats.org/presentationml/2006/ole">
             <mc:AlternateContent xmlns:mc="http://schemas.openxmlformats.org/markup-compatibility/2006">
               <mc:Choice xmlns:v="urn:schemas-microsoft-com:vml" Requires="v">
-                <p:oleObj spid="_x0000_s175216" name="Equation" r:id="rId6" imgW="152280" imgH="215640" progId="Equation.DSMT4">
+                <p:oleObj spid="_x0000_s175223" name="Equation" r:id="rId6" imgW="152280" imgH="215640" progId="Equation.DSMT4">
                   <p:embed/>
                 </p:oleObj>
               </mc:Choice>
@@ -48883,7 +48769,7 @@
           <a:graphicData uri="http://schemas.openxmlformats.org/presentationml/2006/ole">
             <mc:AlternateContent xmlns:mc="http://schemas.openxmlformats.org/markup-compatibility/2006">
               <mc:Choice xmlns:v="urn:schemas-microsoft-com:vml" Requires="v">
-                <p:oleObj spid="_x0000_s175217" name="Equation" r:id="rId7" imgW="152280" imgH="215640" progId="Equation.DSMT4">
+                <p:oleObj spid="_x0000_s175224" name="Equation" r:id="rId7" imgW="152280" imgH="215640" progId="Equation.DSMT4">
                   <p:embed/>
                 </p:oleObj>
               </mc:Choice>
@@ -57233,7 +57119,7 @@
           <a:graphicData uri="http://schemas.openxmlformats.org/presentationml/2006/ole">
             <mc:AlternateContent xmlns:mc="http://schemas.openxmlformats.org/markup-compatibility/2006">
               <mc:Choice xmlns:v="urn:schemas-microsoft-com:vml" Requires="v">
-                <p:oleObj spid="_x0000_s3121" name="Equation" r:id="rId4" imgW="1066800" imgH="457200" progId="Equation.DSMT4">
+                <p:oleObj spid="_x0000_s3124" name="Equation" r:id="rId4" imgW="1066800" imgH="457200" progId="Equation.DSMT4">
                   <p:embed/>
                 </p:oleObj>
               </mc:Choice>
